--- a/Volunteer/Programming/HTML_9.pptx
+++ b/Volunteer/Programming/HTML_9.pptx
@@ -7331,8 +7331,21 @@
                   <a:srgbClr val="FF0000"/>
                 </a:solidFill>
               </a:rPr>
-              <a:t>git push -u origin main</a:t>
-            </a:r>
+              <a:t>git push -u </a:t>
+            </a:r>
+            <a:r>
+              <a:rPr lang="en-US" sz="2400" b="1">
+                <a:solidFill>
+                  <a:srgbClr val="FF0000"/>
+                </a:solidFill>
+              </a:rPr>
+              <a:t>origin master</a:t>
+            </a:r>
+            <a:endParaRPr lang="en-US" sz="2400" b="1" dirty="0">
+              <a:solidFill>
+                <a:srgbClr val="FF0000"/>
+              </a:solidFill>
+            </a:endParaRPr>
           </a:p>
           <a:p>
             <a:endParaRPr lang="en-US" sz="2400" b="1" dirty="0">
@@ -11416,6 +11429,14 @@
 </file>
 
 <file path=customXml/item1.xml><?xml version="1.0" encoding="utf-8"?>
+<p:properties xmlns:p="http://schemas.microsoft.com/office/2006/metadata/properties" xmlns:xsi="http://www.w3.org/2001/XMLSchema-instance" xmlns:pc="http://schemas.microsoft.com/office/infopath/2007/PartnerControls">
+  <documentManagement>
+    <MediaServiceKeyPoints xmlns="71af3243-3dd4-4a8d-8c0d-dd76da1f02a5" xsi:nil="true"/>
+  </documentManagement>
+</p:properties>
+</file>
+
+<file path=customXml/item2.xml><?xml version="1.0" encoding="utf-8"?>
 <ct:contentTypeSchema xmlns:ct="http://schemas.microsoft.com/office/2006/metadata/contentType" xmlns:ma="http://schemas.microsoft.com/office/2006/metadata/properties/metaAttributes" ct:_="" ma:_="" ma:contentTypeName="Document" ma:contentTypeID="0x01010079F111ED35F8CC479449609E8A0923A6" ma:contentTypeVersion="11" ma:contentTypeDescription="Create a new document." ma:contentTypeScope="" ma:versionID="9677210f24a1be23c92c90fd886aa0aa">
   <xsd:schema xmlns:xsd="http://www.w3.org/2001/XMLSchema" xmlns:xs="http://www.w3.org/2001/XMLSchema" xmlns:p="http://schemas.microsoft.com/office/2006/metadata/properties" xmlns:ns2="71af3243-3dd4-4a8d-8c0d-dd76da1f02a5" xmlns:ns3="16c05727-aa75-4e4a-9b5f-8a80a1165891" targetNamespace="http://schemas.microsoft.com/office/2006/metadata/properties" ma:root="true" ma:fieldsID="60e05723c5c1908df1a1a4ebf11d344e" ns2:_="" ns3:_="">
     <xsd:import namespace="71af3243-3dd4-4a8d-8c0d-dd76da1f02a5"/>
@@ -11626,14 +11647,6 @@
 </ct:contentTypeSchema>
 </file>
 
-<file path=customXml/item2.xml><?xml version="1.0" encoding="utf-8"?>
-<p:properties xmlns:p="http://schemas.microsoft.com/office/2006/metadata/properties" xmlns:xsi="http://www.w3.org/2001/XMLSchema-instance" xmlns:pc="http://schemas.microsoft.com/office/infopath/2007/PartnerControls">
-  <documentManagement>
-    <MediaServiceKeyPoints xmlns="71af3243-3dd4-4a8d-8c0d-dd76da1f02a5" xsi:nil="true"/>
-  </documentManagement>
-</p:properties>
-</file>
-
 <file path=customXml/item3.xml><?xml version="1.0" encoding="utf-8"?>
 <?mso-contentType ?>
 <FormTemplates xmlns="http://schemas.microsoft.com/sharepoint/v3/contenttype/forms">
@@ -11644,6 +11657,23 @@
 </file>
 
 <file path=customXml/itemProps1.xml><?xml version="1.0" encoding="utf-8"?>
+<ds:datastoreItem xmlns:ds="http://schemas.openxmlformats.org/officeDocument/2006/customXml" ds:itemID="{CC24F515-356D-4532-BE08-F6D7771916F0}">
+  <ds:schemaRefs>
+    <ds:schemaRef ds:uri="http://purl.org/dc/terms/"/>
+    <ds:schemaRef ds:uri="http://schemas.openxmlformats.org/package/2006/metadata/core-properties"/>
+    <ds:schemaRef ds:uri="16c05727-aa75-4e4a-9b5f-8a80a1165891"/>
+    <ds:schemaRef ds:uri="http://purl.org/dc/dcmitype/"/>
+    <ds:schemaRef ds:uri="http://schemas.microsoft.com/office/infopath/2007/PartnerControls"/>
+    <ds:schemaRef ds:uri="http://schemas.microsoft.com/office/2006/documentManagement/types"/>
+    <ds:schemaRef ds:uri="http://purl.org/dc/elements/1.1/"/>
+    <ds:schemaRef ds:uri="http://schemas.microsoft.com/office/2006/metadata/properties"/>
+    <ds:schemaRef ds:uri="71af3243-3dd4-4a8d-8c0d-dd76da1f02a5"/>
+    <ds:schemaRef ds:uri="http://www.w3.org/XML/1998/namespace"/>
+  </ds:schemaRefs>
+</ds:datastoreItem>
+</file>
+
+<file path=customXml/itemProps2.xml><?xml version="1.0" encoding="utf-8"?>
 <ds:datastoreItem xmlns:ds="http://schemas.openxmlformats.org/officeDocument/2006/customXml" ds:itemID="{83E04B51-1D33-4F14-BBD7-79D7D27E2EE4}">
   <ds:schemaRefs>
     <ds:schemaRef ds:uri="http://schemas.microsoft.com/office/2006/metadata/contentType"/>
@@ -11662,23 +11692,6 @@
 </ds:datastoreItem>
 </file>
 
-<file path=customXml/itemProps2.xml><?xml version="1.0" encoding="utf-8"?>
-<ds:datastoreItem xmlns:ds="http://schemas.openxmlformats.org/officeDocument/2006/customXml" ds:itemID="{CC24F515-356D-4532-BE08-F6D7771916F0}">
-  <ds:schemaRefs>
-    <ds:schemaRef ds:uri="http://purl.org/dc/terms/"/>
-    <ds:schemaRef ds:uri="http://schemas.openxmlformats.org/package/2006/metadata/core-properties"/>
-    <ds:schemaRef ds:uri="16c05727-aa75-4e4a-9b5f-8a80a1165891"/>
-    <ds:schemaRef ds:uri="http://purl.org/dc/dcmitype/"/>
-    <ds:schemaRef ds:uri="http://schemas.microsoft.com/office/infopath/2007/PartnerControls"/>
-    <ds:schemaRef ds:uri="http://schemas.microsoft.com/office/2006/documentManagement/types"/>
-    <ds:schemaRef ds:uri="http://purl.org/dc/elements/1.1/"/>
-    <ds:schemaRef ds:uri="http://schemas.microsoft.com/office/2006/metadata/properties"/>
-    <ds:schemaRef ds:uri="71af3243-3dd4-4a8d-8c0d-dd76da1f02a5"/>
-    <ds:schemaRef ds:uri="http://www.w3.org/XML/1998/namespace"/>
-  </ds:schemaRefs>
-</ds:datastoreItem>
-</file>
-
 <file path=customXml/itemProps3.xml><?xml version="1.0" encoding="utf-8"?>
 <ds:datastoreItem xmlns:ds="http://schemas.openxmlformats.org/officeDocument/2006/customXml" ds:itemID="{9AEF1282-A6E9-4912-8AB9-8ED69BF7097D}">
   <ds:schemaRefs>
